--- a/1_SQL/2_PPT/21_NULL/2_Replace NULLS/3_COALESCE.pptx
+++ b/1_SQL/2_PPT/21_NULL/2_Replace NULLS/3_COALESCE.pptx
@@ -5,11 +5,13 @@
     <p:sldMasterId id="2147483648" r:id="rId1"/>
   </p:sldMasterIdLst>
   <p:sldIdLst>
-    <p:sldId id="519" r:id="rId2"/>
-    <p:sldId id="518" r:id="rId3"/>
-    <p:sldId id="517" r:id="rId4"/>
-    <p:sldId id="256" r:id="rId5"/>
-    <p:sldId id="516" r:id="rId6"/>
+    <p:sldId id="520" r:id="rId2"/>
+    <p:sldId id="521" r:id="rId3"/>
+    <p:sldId id="519" r:id="rId4"/>
+    <p:sldId id="518" r:id="rId5"/>
+    <p:sldId id="256" r:id="rId6"/>
+    <p:sldId id="516" r:id="rId7"/>
+    <p:sldId id="517" r:id="rId8"/>
   </p:sldIdLst>
   <p:sldSz cx="12192000" cy="6858000"/>
   <p:notesSz cx="6858000" cy="9144000"/>
@@ -108,6 +110,11 @@
       </a:defRPr>
     </a:lvl9pPr>
   </p:defaultTextStyle>
+  <p:extLst>
+    <p:ext uri="{EFAFB233-063F-42B5-8137-9DF3F51BA10A}">
+      <p15:sldGuideLst xmlns:p15="http://schemas.microsoft.com/office/powerpoint/2012/main"/>
+    </p:ext>
+  </p:extLst>
 </p:presentation>
 </file>
 
@@ -260,7 +267,7 @@
           <a:p>
             <a:fld id="{59500313-DDAF-4C53-B9E8-89DDE593B7A9}" type="datetimeFigureOut">
               <a:rPr lang="en-IN" smtClean="0"/>
-              <a:t>18-11-2022</a:t>
+              <a:t>24-11-2022</a:t>
             </a:fld>
             <a:endParaRPr lang="en-IN"/>
           </a:p>
@@ -460,7 +467,7 @@
           <a:p>
             <a:fld id="{59500313-DDAF-4C53-B9E8-89DDE593B7A9}" type="datetimeFigureOut">
               <a:rPr lang="en-IN" smtClean="0"/>
-              <a:t>18-11-2022</a:t>
+              <a:t>24-11-2022</a:t>
             </a:fld>
             <a:endParaRPr lang="en-IN"/>
           </a:p>
@@ -670,7 +677,7 @@
           <a:p>
             <a:fld id="{59500313-DDAF-4C53-B9E8-89DDE593B7A9}" type="datetimeFigureOut">
               <a:rPr lang="en-IN" smtClean="0"/>
-              <a:t>18-11-2022</a:t>
+              <a:t>24-11-2022</a:t>
             </a:fld>
             <a:endParaRPr lang="en-IN"/>
           </a:p>
@@ -870,7 +877,7 @@
           <a:p>
             <a:fld id="{59500313-DDAF-4C53-B9E8-89DDE593B7A9}" type="datetimeFigureOut">
               <a:rPr lang="en-IN" smtClean="0"/>
-              <a:t>18-11-2022</a:t>
+              <a:t>24-11-2022</a:t>
             </a:fld>
             <a:endParaRPr lang="en-IN"/>
           </a:p>
@@ -1146,7 +1153,7 @@
           <a:p>
             <a:fld id="{59500313-DDAF-4C53-B9E8-89DDE593B7A9}" type="datetimeFigureOut">
               <a:rPr lang="en-IN" smtClean="0"/>
-              <a:t>18-11-2022</a:t>
+              <a:t>24-11-2022</a:t>
             </a:fld>
             <a:endParaRPr lang="en-IN"/>
           </a:p>
@@ -1414,7 +1421,7 @@
           <a:p>
             <a:fld id="{59500313-DDAF-4C53-B9E8-89DDE593B7A9}" type="datetimeFigureOut">
               <a:rPr lang="en-IN" smtClean="0"/>
-              <a:t>18-11-2022</a:t>
+              <a:t>24-11-2022</a:t>
             </a:fld>
             <a:endParaRPr lang="en-IN"/>
           </a:p>
@@ -1829,7 +1836,7 @@
           <a:p>
             <a:fld id="{59500313-DDAF-4C53-B9E8-89DDE593B7A9}" type="datetimeFigureOut">
               <a:rPr lang="en-IN" smtClean="0"/>
-              <a:t>18-11-2022</a:t>
+              <a:t>24-11-2022</a:t>
             </a:fld>
             <a:endParaRPr lang="en-IN"/>
           </a:p>
@@ -1971,7 +1978,7 @@
           <a:p>
             <a:fld id="{59500313-DDAF-4C53-B9E8-89DDE593B7A9}" type="datetimeFigureOut">
               <a:rPr lang="en-IN" smtClean="0"/>
-              <a:t>18-11-2022</a:t>
+              <a:t>24-11-2022</a:t>
             </a:fld>
             <a:endParaRPr lang="en-IN"/>
           </a:p>
@@ -2084,7 +2091,7 @@
           <a:p>
             <a:fld id="{59500313-DDAF-4C53-B9E8-89DDE593B7A9}" type="datetimeFigureOut">
               <a:rPr lang="en-IN" smtClean="0"/>
-              <a:t>18-11-2022</a:t>
+              <a:t>24-11-2022</a:t>
             </a:fld>
             <a:endParaRPr lang="en-IN"/>
           </a:p>
@@ -2397,7 +2404,7 @@
           <a:p>
             <a:fld id="{59500313-DDAF-4C53-B9E8-89DDE593B7A9}" type="datetimeFigureOut">
               <a:rPr lang="en-IN" smtClean="0"/>
-              <a:t>18-11-2022</a:t>
+              <a:t>24-11-2022</a:t>
             </a:fld>
             <a:endParaRPr lang="en-IN"/>
           </a:p>
@@ -2686,7 +2693,7 @@
           <a:p>
             <a:fld id="{59500313-DDAF-4C53-B9E8-89DDE593B7A9}" type="datetimeFigureOut">
               <a:rPr lang="en-IN" smtClean="0"/>
-              <a:t>18-11-2022</a:t>
+              <a:t>24-11-2022</a:t>
             </a:fld>
             <a:endParaRPr lang="en-IN"/>
           </a:p>
@@ -2929,7 +2936,7 @@
           <a:p>
             <a:fld id="{59500313-DDAF-4C53-B9E8-89DDE593B7A9}" type="datetimeFigureOut">
               <a:rPr lang="en-IN" smtClean="0"/>
-              <a:t>18-11-2022</a:t>
+              <a:t>24-11-2022</a:t>
             </a:fld>
             <a:endParaRPr lang="en-IN"/>
           </a:p>
@@ -3348,6 +3355,278 @@
       </p:grpSpPr>
       <p:pic>
         <p:nvPicPr>
+          <p:cNvPr id="5" name="Picture 4">
+            <a:extLst>
+              <a:ext uri="{FF2B5EF4-FFF2-40B4-BE49-F238E27FC236}">
+                <a16:creationId xmlns:a16="http://schemas.microsoft.com/office/drawing/2014/main" id="{26D112A6-FF20-4A23-B503-8258BED6227D}"/>
+              </a:ext>
+            </a:extLst>
+          </p:cNvPr>
+          <p:cNvPicPr>
+            <a:picLocks noChangeAspect="1"/>
+          </p:cNvPicPr>
+          <p:nvPr/>
+        </p:nvPicPr>
+        <p:blipFill rotWithShape="1">
+          <a:blip r:embed="rId2"/>
+          <a:srcRect l="26890" t="31631" r="29670" b="36879"/>
+          <a:stretch/>
+        </p:blipFill>
+        <p:spPr>
+          <a:xfrm>
+            <a:off x="165369" y="194554"/>
+            <a:ext cx="5778232" cy="2617892"/>
+          </a:xfrm>
+          <a:prstGeom prst="rect">
+            <a:avLst/>
+          </a:prstGeom>
+        </p:spPr>
+      </p:pic>
+      <p:pic>
+        <p:nvPicPr>
+          <p:cNvPr id="7" name="Picture 6">
+            <a:extLst>
+              <a:ext uri="{FF2B5EF4-FFF2-40B4-BE49-F238E27FC236}">
+                <a16:creationId xmlns:a16="http://schemas.microsoft.com/office/drawing/2014/main" id="{A102DCA5-51FB-4EB3-BAFA-F7C8FFC8CCAA}"/>
+              </a:ext>
+            </a:extLst>
+          </p:cNvPr>
+          <p:cNvPicPr>
+            <a:picLocks noChangeAspect="1"/>
+          </p:cNvPicPr>
+          <p:nvPr/>
+        </p:nvPicPr>
+        <p:blipFill rotWithShape="1">
+          <a:blip r:embed="rId3"/>
+          <a:srcRect l="25207" t="47659" r="56176" b="18015"/>
+          <a:stretch/>
+        </p:blipFill>
+        <p:spPr>
+          <a:xfrm>
+            <a:off x="165369" y="2986392"/>
+            <a:ext cx="2879388" cy="3318152"/>
+          </a:xfrm>
+          <a:prstGeom prst="rect">
+            <a:avLst/>
+          </a:prstGeom>
+          <a:ln w="15875">
+            <a:solidFill>
+              <a:schemeClr val="tx1"/>
+            </a:solidFill>
+          </a:ln>
+        </p:spPr>
+      </p:pic>
+    </p:spTree>
+    <p:extLst>
+      <p:ext uri="{BB962C8B-B14F-4D97-AF65-F5344CB8AC3E}">
+        <p14:creationId xmlns:p14="http://schemas.microsoft.com/office/powerpoint/2010/main" val="1826732685"/>
+      </p:ext>
+    </p:extLst>
+  </p:cSld>
+  <p:clrMapOvr>
+    <a:masterClrMapping/>
+  </p:clrMapOvr>
+</p:sld>
+</file>
+
+<file path=ppt/slides/slide2.xml><?xml version="1.0" encoding="utf-8"?>
+<p:sld xmlns:a="http://schemas.openxmlformats.org/drawingml/2006/main" xmlns:r="http://schemas.openxmlformats.org/officeDocument/2006/relationships" xmlns:p="http://schemas.openxmlformats.org/presentationml/2006/main">
+  <p:cSld>
+    <p:spTree>
+      <p:nvGrpSpPr>
+        <p:cNvPr id="1" name=""/>
+        <p:cNvGrpSpPr/>
+        <p:nvPr/>
+      </p:nvGrpSpPr>
+      <p:grpSpPr>
+        <a:xfrm>
+          <a:off x="0" y="0"/>
+          <a:ext cx="0" cy="0"/>
+          <a:chOff x="0" y="0"/>
+          <a:chExt cx="0" cy="0"/>
+        </a:xfrm>
+      </p:grpSpPr>
+      <p:pic>
+        <p:nvPicPr>
+          <p:cNvPr id="5" name="Picture 4">
+            <a:extLst>
+              <a:ext uri="{FF2B5EF4-FFF2-40B4-BE49-F238E27FC236}">
+                <a16:creationId xmlns:a16="http://schemas.microsoft.com/office/drawing/2014/main" id="{0EBF218F-8183-43C3-9A49-38B3F6CC2CB2}"/>
+              </a:ext>
+            </a:extLst>
+          </p:cNvPr>
+          <p:cNvPicPr>
+            <a:picLocks noChangeAspect="1"/>
+          </p:cNvPicPr>
+          <p:nvPr/>
+        </p:nvPicPr>
+        <p:blipFill>
+          <a:blip r:embed="rId2"/>
+          <a:stretch>
+            <a:fillRect/>
+          </a:stretch>
+        </p:blipFill>
+        <p:spPr>
+          <a:xfrm>
+            <a:off x="4644530" y="240860"/>
+            <a:ext cx="3200732" cy="1609725"/>
+          </a:xfrm>
+          <a:prstGeom prst="rect">
+            <a:avLst/>
+          </a:prstGeom>
+          <a:ln w="12700">
+            <a:solidFill>
+              <a:schemeClr val="tx1"/>
+            </a:solidFill>
+          </a:ln>
+        </p:spPr>
+      </p:pic>
+      <p:pic>
+        <p:nvPicPr>
+          <p:cNvPr id="7" name="Picture 6">
+            <a:extLst>
+              <a:ext uri="{FF2B5EF4-FFF2-40B4-BE49-F238E27FC236}">
+                <a16:creationId xmlns:a16="http://schemas.microsoft.com/office/drawing/2014/main" id="{BB5E16D3-AA3A-4941-8A7E-490D838AA094}"/>
+              </a:ext>
+            </a:extLst>
+          </p:cNvPr>
+          <p:cNvPicPr>
+            <a:picLocks noChangeAspect="1"/>
+          </p:cNvPicPr>
+          <p:nvPr/>
+        </p:nvPicPr>
+        <p:blipFill>
+          <a:blip r:embed="rId3"/>
+          <a:stretch>
+            <a:fillRect/>
+          </a:stretch>
+        </p:blipFill>
+        <p:spPr>
+          <a:xfrm>
+            <a:off x="225054" y="240861"/>
+            <a:ext cx="3629025" cy="1609725"/>
+          </a:xfrm>
+          <a:prstGeom prst="rect">
+            <a:avLst/>
+          </a:prstGeom>
+          <a:ln w="12700">
+            <a:solidFill>
+              <a:schemeClr val="tx1"/>
+            </a:solidFill>
+          </a:ln>
+        </p:spPr>
+      </p:pic>
+      <p:sp>
+        <p:nvSpPr>
+          <p:cNvPr id="8" name="Arrow: Right 7">
+            <a:extLst>
+              <a:ext uri="{FF2B5EF4-FFF2-40B4-BE49-F238E27FC236}">
+                <a16:creationId xmlns:a16="http://schemas.microsoft.com/office/drawing/2014/main" id="{2F98C0BE-BD7B-4F0D-B282-D9D8D670F994}"/>
+              </a:ext>
+            </a:extLst>
+          </p:cNvPr>
+          <p:cNvSpPr/>
+          <p:nvPr/>
+        </p:nvSpPr>
+        <p:spPr>
+          <a:xfrm>
+            <a:off x="3968882" y="938717"/>
+            <a:ext cx="544751" cy="214009"/>
+          </a:xfrm>
+          <a:prstGeom prst="rightArrow">
+            <a:avLst/>
+          </a:prstGeom>
+          <a:solidFill>
+            <a:srgbClr val="FF0000"/>
+          </a:solidFill>
+        </p:spPr>
+        <p:style>
+          <a:lnRef idx="2">
+            <a:schemeClr val="accent1">
+              <a:shade val="50000"/>
+            </a:schemeClr>
+          </a:lnRef>
+          <a:fillRef idx="1">
+            <a:schemeClr val="accent1"/>
+          </a:fillRef>
+          <a:effectRef idx="0">
+            <a:schemeClr val="accent1"/>
+          </a:effectRef>
+          <a:fontRef idx="minor">
+            <a:schemeClr val="lt1"/>
+          </a:fontRef>
+        </p:style>
+        <p:txBody>
+          <a:bodyPr rtlCol="0" anchor="ctr"/>
+          <a:lstStyle/>
+          <a:p>
+            <a:pPr algn="ctr"/>
+            <a:endParaRPr lang="en-IN"/>
+          </a:p>
+        </p:txBody>
+      </p:sp>
+      <p:pic>
+        <p:nvPicPr>
+          <p:cNvPr id="10" name="Picture 9">
+            <a:extLst>
+              <a:ext uri="{FF2B5EF4-FFF2-40B4-BE49-F238E27FC236}">
+                <a16:creationId xmlns:a16="http://schemas.microsoft.com/office/drawing/2014/main" id="{7C6F1B8B-5FA9-47B0-80BA-C3D3BFB7991C}"/>
+              </a:ext>
+            </a:extLst>
+          </p:cNvPr>
+          <p:cNvPicPr>
+            <a:picLocks noChangeAspect="1"/>
+          </p:cNvPicPr>
+          <p:nvPr/>
+        </p:nvPicPr>
+        <p:blipFill>
+          <a:blip r:embed="rId4"/>
+          <a:stretch>
+            <a:fillRect/>
+          </a:stretch>
+        </p:blipFill>
+        <p:spPr>
+          <a:xfrm>
+            <a:off x="2594751" y="1492891"/>
+            <a:ext cx="523875" cy="333375"/>
+          </a:xfrm>
+          <a:prstGeom prst="rect">
+            <a:avLst/>
+          </a:prstGeom>
+        </p:spPr>
+      </p:pic>
+    </p:spTree>
+    <p:extLst>
+      <p:ext uri="{BB962C8B-B14F-4D97-AF65-F5344CB8AC3E}">
+        <p14:creationId xmlns:p14="http://schemas.microsoft.com/office/powerpoint/2010/main" val="4111432377"/>
+      </p:ext>
+    </p:extLst>
+  </p:cSld>
+  <p:clrMapOvr>
+    <a:masterClrMapping/>
+  </p:clrMapOvr>
+</p:sld>
+</file>
+
+<file path=ppt/slides/slide3.xml><?xml version="1.0" encoding="utf-8"?>
+<p:sld xmlns:a="http://schemas.openxmlformats.org/drawingml/2006/main" xmlns:r="http://schemas.openxmlformats.org/officeDocument/2006/relationships" xmlns:p="http://schemas.openxmlformats.org/presentationml/2006/main">
+  <p:cSld>
+    <p:spTree>
+      <p:nvGrpSpPr>
+        <p:cNvPr id="1" name=""/>
+        <p:cNvGrpSpPr/>
+        <p:nvPr/>
+      </p:nvGrpSpPr>
+      <p:grpSpPr>
+        <a:xfrm>
+          <a:off x="0" y="0"/>
+          <a:ext cx="0" cy="0"/>
+          <a:chOff x="0" y="0"/>
+          <a:chExt cx="0" cy="0"/>
+        </a:xfrm>
+      </p:grpSpPr>
+      <p:pic>
+        <p:nvPicPr>
           <p:cNvPr id="4" name="Picture 3">
             <a:extLst>
               <a:ext uri="{FF2B5EF4-FFF2-40B4-BE49-F238E27FC236}">
@@ -3393,7 +3672,7 @@
 </p:sld>
 </file>
 
-<file path=ppt/slides/slide2.xml><?xml version="1.0" encoding="utf-8"?>
+<file path=ppt/slides/slide4.xml><?xml version="1.0" encoding="utf-8"?>
 <p:sld xmlns:a="http://schemas.openxmlformats.org/drawingml/2006/main" xmlns:r="http://schemas.openxmlformats.org/officeDocument/2006/relationships" xmlns:p="http://schemas.openxmlformats.org/presentationml/2006/main">
   <p:cSld>
     <p:spTree>
@@ -3447,10 +3726,10 @@
       </p:pic>
       <p:pic>
         <p:nvPicPr>
-          <p:cNvPr id="7" name="Picture 6">
-            <a:extLst>
-              <a:ext uri="{FF2B5EF4-FFF2-40B4-BE49-F238E27FC236}">
-                <a16:creationId xmlns:a16="http://schemas.microsoft.com/office/drawing/2014/main" id="{F93AA861-DBFA-4B32-BF7C-2D5FC54038F1}"/>
+          <p:cNvPr id="11" name="Picture 10">
+            <a:extLst>
+              <a:ext uri="{FF2B5EF4-FFF2-40B4-BE49-F238E27FC236}">
+                <a16:creationId xmlns:a16="http://schemas.microsoft.com/office/drawing/2014/main" id="{83BE91E7-8FFB-4E86-8A2E-A4FA8B40E5B1}"/>
               </a:ext>
             </a:extLst>
           </p:cNvPr>
@@ -3461,75 +3740,6 @@
         </p:nvPicPr>
         <p:blipFill>
           <a:blip r:embed="rId3"/>
-          <a:stretch>
-            <a:fillRect/>
-          </a:stretch>
-        </p:blipFill>
-        <p:spPr>
-          <a:xfrm>
-            <a:off x="2738632" y="175058"/>
-            <a:ext cx="1158525" cy="2180215"/>
-          </a:xfrm>
-          <a:prstGeom prst="rect">
-            <a:avLst/>
-          </a:prstGeom>
-          <a:ln>
-            <a:solidFill>
-              <a:schemeClr val="tx1"/>
-            </a:solidFill>
-          </a:ln>
-        </p:spPr>
-      </p:pic>
-      <p:pic>
-        <p:nvPicPr>
-          <p:cNvPr id="9" name="Picture 8">
-            <a:extLst>
-              <a:ext uri="{FF2B5EF4-FFF2-40B4-BE49-F238E27FC236}">
-                <a16:creationId xmlns:a16="http://schemas.microsoft.com/office/drawing/2014/main" id="{6ADA6970-5D08-4FBD-8772-B2B3B29E8818}"/>
-              </a:ext>
-            </a:extLst>
-          </p:cNvPr>
-          <p:cNvPicPr>
-            <a:picLocks noChangeAspect="1"/>
-          </p:cNvPicPr>
-          <p:nvPr/>
-        </p:nvPicPr>
-        <p:blipFill rotWithShape="1">
-          <a:blip r:embed="rId4"/>
-          <a:srcRect l="5364" t="2461" r="7841" b="3264"/>
-          <a:stretch/>
-        </p:blipFill>
-        <p:spPr>
-          <a:xfrm>
-            <a:off x="4178916" y="175058"/>
-            <a:ext cx="1057668" cy="2808287"/>
-          </a:xfrm>
-          <a:prstGeom prst="rect">
-            <a:avLst/>
-          </a:prstGeom>
-          <a:ln>
-            <a:solidFill>
-              <a:schemeClr val="tx1"/>
-            </a:solidFill>
-          </a:ln>
-        </p:spPr>
-      </p:pic>
-      <p:pic>
-        <p:nvPicPr>
-          <p:cNvPr id="11" name="Picture 10">
-            <a:extLst>
-              <a:ext uri="{FF2B5EF4-FFF2-40B4-BE49-F238E27FC236}">
-                <a16:creationId xmlns:a16="http://schemas.microsoft.com/office/drawing/2014/main" id="{83BE91E7-8FFB-4E86-8A2E-A4FA8B40E5B1}"/>
-              </a:ext>
-            </a:extLst>
-          </p:cNvPr>
-          <p:cNvPicPr>
-            <a:picLocks noChangeAspect="1"/>
-          </p:cNvPicPr>
-          <p:nvPr/>
-        </p:nvPicPr>
-        <p:blipFill>
-          <a:blip r:embed="rId5"/>
           <a:stretch>
             <a:fillRect/>
           </a:stretch>
@@ -3564,7 +3774,7 @@
           <p:nvPr/>
         </p:nvPicPr>
         <p:blipFill>
-          <a:blip r:embed="rId6"/>
+          <a:blip r:embed="rId4"/>
           <a:stretch>
             <a:fillRect/>
           </a:stretch>
@@ -3594,7 +3804,7 @@
           <p:nvPr/>
         </p:nvPicPr>
         <p:blipFill>
-          <a:blip r:embed="rId7"/>
+          <a:blip r:embed="rId5"/>
           <a:stretch>
             <a:fillRect/>
           </a:stretch>
@@ -3718,6 +3928,135 @@
           </a:p>
         </p:txBody>
       </p:sp>
+      <p:pic>
+        <p:nvPicPr>
+          <p:cNvPr id="3" name="Picture 2">
+            <a:extLst>
+              <a:ext uri="{FF2B5EF4-FFF2-40B4-BE49-F238E27FC236}">
+                <a16:creationId xmlns:a16="http://schemas.microsoft.com/office/drawing/2014/main" id="{D417AC74-3FB2-4765-8F1C-188625851712}"/>
+              </a:ext>
+            </a:extLst>
+          </p:cNvPr>
+          <p:cNvPicPr>
+            <a:picLocks noChangeAspect="1"/>
+          </p:cNvPicPr>
+          <p:nvPr/>
+        </p:nvPicPr>
+        <p:blipFill>
+          <a:blip r:embed="rId6"/>
+          <a:stretch>
+            <a:fillRect/>
+          </a:stretch>
+        </p:blipFill>
+        <p:spPr>
+          <a:xfrm>
+            <a:off x="2651144" y="175058"/>
+            <a:ext cx="1105434" cy="2431955"/>
+          </a:xfrm>
+          <a:prstGeom prst="rect">
+            <a:avLst/>
+          </a:prstGeom>
+          <a:ln>
+            <a:solidFill>
+              <a:schemeClr val="tx1"/>
+            </a:solidFill>
+          </a:ln>
+        </p:spPr>
+      </p:pic>
+      <p:pic>
+        <p:nvPicPr>
+          <p:cNvPr id="6" name="Picture 5">
+            <a:extLst>
+              <a:ext uri="{FF2B5EF4-FFF2-40B4-BE49-F238E27FC236}">
+                <a16:creationId xmlns:a16="http://schemas.microsoft.com/office/drawing/2014/main" id="{19C8C98F-F6FD-4844-8A9B-7AA3AA066118}"/>
+              </a:ext>
+            </a:extLst>
+          </p:cNvPr>
+          <p:cNvPicPr>
+            <a:picLocks noChangeAspect="1"/>
+          </p:cNvPicPr>
+          <p:nvPr/>
+        </p:nvPicPr>
+        <p:blipFill rotWithShape="1">
+          <a:blip r:embed="rId7"/>
+          <a:srcRect l="15748" t="3552"/>
+          <a:stretch/>
+        </p:blipFill>
+        <p:spPr>
+          <a:xfrm>
+            <a:off x="2723745" y="846307"/>
+            <a:ext cx="488061" cy="357205"/>
+          </a:xfrm>
+          <a:prstGeom prst="rect">
+            <a:avLst/>
+          </a:prstGeom>
+        </p:spPr>
+      </p:pic>
+      <p:pic>
+        <p:nvPicPr>
+          <p:cNvPr id="10" name="Picture 9">
+            <a:extLst>
+              <a:ext uri="{FF2B5EF4-FFF2-40B4-BE49-F238E27FC236}">
+                <a16:creationId xmlns:a16="http://schemas.microsoft.com/office/drawing/2014/main" id="{A7404CE1-CD40-44F3-A0E6-D9B18FFF07E7}"/>
+              </a:ext>
+            </a:extLst>
+          </p:cNvPr>
+          <p:cNvPicPr>
+            <a:picLocks noChangeAspect="1"/>
+          </p:cNvPicPr>
+          <p:nvPr/>
+        </p:nvPicPr>
+        <p:blipFill>
+          <a:blip r:embed="rId8"/>
+          <a:stretch>
+            <a:fillRect/>
+          </a:stretch>
+        </p:blipFill>
+        <p:spPr>
+          <a:xfrm>
+            <a:off x="2658707" y="1548814"/>
+            <a:ext cx="567465" cy="704755"/>
+          </a:xfrm>
+          <a:prstGeom prst="rect">
+            <a:avLst/>
+          </a:prstGeom>
+        </p:spPr>
+      </p:pic>
+      <p:pic>
+        <p:nvPicPr>
+          <p:cNvPr id="14" name="Picture 13">
+            <a:extLst>
+              <a:ext uri="{FF2B5EF4-FFF2-40B4-BE49-F238E27FC236}">
+                <a16:creationId xmlns:a16="http://schemas.microsoft.com/office/drawing/2014/main" id="{29E3ADE5-B12B-4580-9CB2-8C6F7DC7BEF0}"/>
+              </a:ext>
+            </a:extLst>
+          </p:cNvPr>
+          <p:cNvPicPr>
+            <a:picLocks noChangeAspect="1"/>
+          </p:cNvPicPr>
+          <p:nvPr/>
+        </p:nvPicPr>
+        <p:blipFill>
+          <a:blip r:embed="rId9"/>
+          <a:stretch>
+            <a:fillRect/>
+          </a:stretch>
+        </p:blipFill>
+        <p:spPr>
+          <a:xfrm>
+            <a:off x="4018945" y="175058"/>
+            <a:ext cx="1163460" cy="2431955"/>
+          </a:xfrm>
+          <a:prstGeom prst="rect">
+            <a:avLst/>
+          </a:prstGeom>
+          <a:ln>
+            <a:solidFill>
+              <a:schemeClr val="tx1"/>
+            </a:solidFill>
+          </a:ln>
+        </p:spPr>
+      </p:pic>
     </p:spTree>
     <p:extLst>
       <p:ext uri="{BB962C8B-B14F-4D97-AF65-F5344CB8AC3E}">
@@ -3731,66 +4070,7 @@
 </p:sld>
 </file>
 
-<file path=ppt/slides/slide3.xml><?xml version="1.0" encoding="utf-8"?>
-<p:sld xmlns:a="http://schemas.openxmlformats.org/drawingml/2006/main" xmlns:r="http://schemas.openxmlformats.org/officeDocument/2006/relationships" xmlns:p="http://schemas.openxmlformats.org/presentationml/2006/main">
-  <p:cSld>
-    <p:spTree>
-      <p:nvGrpSpPr>
-        <p:cNvPr id="1" name=""/>
-        <p:cNvGrpSpPr/>
-        <p:nvPr/>
-      </p:nvGrpSpPr>
-      <p:grpSpPr>
-        <a:xfrm>
-          <a:off x="0" y="0"/>
-          <a:ext cx="0" cy="0"/>
-          <a:chOff x="0" y="0"/>
-          <a:chExt cx="0" cy="0"/>
-        </a:xfrm>
-      </p:grpSpPr>
-      <p:pic>
-        <p:nvPicPr>
-          <p:cNvPr id="5" name="Picture 4">
-            <a:extLst>
-              <a:ext uri="{FF2B5EF4-FFF2-40B4-BE49-F238E27FC236}">
-                <a16:creationId xmlns:a16="http://schemas.microsoft.com/office/drawing/2014/main" id="{8F3B7169-EAB9-4457-B76C-397D767532D4}"/>
-              </a:ext>
-            </a:extLst>
-          </p:cNvPr>
-          <p:cNvPicPr>
-            <a:picLocks noChangeAspect="1"/>
-          </p:cNvPicPr>
-          <p:nvPr/>
-        </p:nvPicPr>
-        <p:blipFill rotWithShape="1">
-          <a:blip r:embed="rId2"/>
-          <a:srcRect l="1408" t="2062" r="1474" b="4996"/>
-          <a:stretch/>
-        </p:blipFill>
-        <p:spPr>
-          <a:xfrm>
-            <a:off x="214604" y="167952"/>
-            <a:ext cx="5322974" cy="5115248"/>
-          </a:xfrm>
-          <a:prstGeom prst="rect">
-            <a:avLst/>
-          </a:prstGeom>
-        </p:spPr>
-      </p:pic>
-    </p:spTree>
-    <p:extLst>
-      <p:ext uri="{BB962C8B-B14F-4D97-AF65-F5344CB8AC3E}">
-        <p14:creationId xmlns:p14="http://schemas.microsoft.com/office/powerpoint/2010/main" val="3630044322"/>
-      </p:ext>
-    </p:extLst>
-  </p:cSld>
-  <p:clrMapOvr>
-    <a:masterClrMapping/>
-  </p:clrMapOvr>
-</p:sld>
-</file>
-
-<file path=ppt/slides/slide4.xml><?xml version="1.0" encoding="utf-8"?>
+<file path=ppt/slides/slide5.xml><?xml version="1.0" encoding="utf-8"?>
 <p:sld xmlns:a="http://schemas.openxmlformats.org/drawingml/2006/main" xmlns:r="http://schemas.openxmlformats.org/officeDocument/2006/relationships" xmlns:p="http://schemas.openxmlformats.org/presentationml/2006/main">
   <p:cSld>
     <p:spTree>
@@ -3865,7 +4145,7 @@
 </p:sld>
 </file>
 
-<file path=ppt/slides/slide5.xml><?xml version="1.0" encoding="utf-8"?>
+<file path=ppt/slides/slide6.xml><?xml version="1.0" encoding="utf-8"?>
 <p:sld xmlns:a="http://schemas.openxmlformats.org/drawingml/2006/main" xmlns:r="http://schemas.openxmlformats.org/officeDocument/2006/relationships" xmlns:p="http://schemas.openxmlformats.org/presentationml/2006/main">
   <p:cSld>
     <p:spTree>
@@ -3920,6 +4200,94 @@
     <p:extLst>
       <p:ext uri="{BB962C8B-B14F-4D97-AF65-F5344CB8AC3E}">
         <p14:creationId xmlns:p14="http://schemas.microsoft.com/office/powerpoint/2010/main" val="109763481"/>
+      </p:ext>
+    </p:extLst>
+  </p:cSld>
+  <p:clrMapOvr>
+    <a:masterClrMapping/>
+  </p:clrMapOvr>
+</p:sld>
+</file>
+
+<file path=ppt/slides/slide7.xml><?xml version="1.0" encoding="utf-8"?>
+<p:sld xmlns:a="http://schemas.openxmlformats.org/drawingml/2006/main" xmlns:r="http://schemas.openxmlformats.org/officeDocument/2006/relationships" xmlns:p="http://schemas.openxmlformats.org/presentationml/2006/main">
+  <p:cSld>
+    <p:spTree>
+      <p:nvGrpSpPr>
+        <p:cNvPr id="1" name=""/>
+        <p:cNvGrpSpPr/>
+        <p:nvPr/>
+      </p:nvGrpSpPr>
+      <p:grpSpPr>
+        <a:xfrm>
+          <a:off x="0" y="0"/>
+          <a:ext cx="0" cy="0"/>
+          <a:chOff x="0" y="0"/>
+          <a:chExt cx="0" cy="0"/>
+        </a:xfrm>
+      </p:grpSpPr>
+      <p:pic>
+        <p:nvPicPr>
+          <p:cNvPr id="5" name="Picture 4">
+            <a:extLst>
+              <a:ext uri="{FF2B5EF4-FFF2-40B4-BE49-F238E27FC236}">
+                <a16:creationId xmlns:a16="http://schemas.microsoft.com/office/drawing/2014/main" id="{8F3B7169-EAB9-4457-B76C-397D767532D4}"/>
+              </a:ext>
+            </a:extLst>
+          </p:cNvPr>
+          <p:cNvPicPr>
+            <a:picLocks noChangeAspect="1"/>
+          </p:cNvPicPr>
+          <p:nvPr/>
+        </p:nvPicPr>
+        <p:blipFill rotWithShape="1">
+          <a:blip r:embed="rId2"/>
+          <a:srcRect l="1408" t="2062" r="1474" b="4996"/>
+          <a:stretch/>
+        </p:blipFill>
+        <p:spPr>
+          <a:xfrm>
+            <a:off x="214604" y="167952"/>
+            <a:ext cx="5322974" cy="5115248"/>
+          </a:xfrm>
+          <a:prstGeom prst="rect">
+            <a:avLst/>
+          </a:prstGeom>
+        </p:spPr>
+      </p:pic>
+      <p:pic>
+        <p:nvPicPr>
+          <p:cNvPr id="3" name="Picture 2">
+            <a:extLst>
+              <a:ext uri="{FF2B5EF4-FFF2-40B4-BE49-F238E27FC236}">
+                <a16:creationId xmlns:a16="http://schemas.microsoft.com/office/drawing/2014/main" id="{FAE8EB0D-96F3-4295-B5F0-5EBD1F4E9AB2}"/>
+              </a:ext>
+            </a:extLst>
+          </p:cNvPr>
+          <p:cNvPicPr>
+            <a:picLocks noChangeAspect="1"/>
+          </p:cNvPicPr>
+          <p:nvPr/>
+        </p:nvPicPr>
+        <p:blipFill rotWithShape="1">
+          <a:blip r:embed="rId3"/>
+          <a:srcRect l="1619" t="1369" r="1468" b="1924"/>
+          <a:stretch/>
+        </p:blipFill>
+        <p:spPr>
+          <a:xfrm>
+            <a:off x="6048462" y="241541"/>
+            <a:ext cx="5243515" cy="5201728"/>
+          </a:xfrm>
+          <a:prstGeom prst="rect">
+            <a:avLst/>
+          </a:prstGeom>
+        </p:spPr>
+      </p:pic>
+    </p:spTree>
+    <p:extLst>
+      <p:ext uri="{BB962C8B-B14F-4D97-AF65-F5344CB8AC3E}">
+        <p14:creationId xmlns:p14="http://schemas.microsoft.com/office/powerpoint/2010/main" val="3630044322"/>
       </p:ext>
     </p:extLst>
   </p:cSld>
